--- a/diagrams/flowbox-Apis.pptx
+++ b/diagrams/flowbox-Apis.pptx
@@ -260,7 +260,7 @@
           <a:p>
             <a:fld id="{527B19B3-CF2D-497F-AC12-4FFAF2BE73DF}" type="datetimeFigureOut">
               <a:rPr lang="fr-FR" smtClean="0"/>
-              <a:t>19/06/2017</a:t>
+              <a:t>03/07/2017</a:t>
             </a:fld>
             <a:endParaRPr lang="fr-FR"/>
           </a:p>
@@ -467,7 +467,7 @@
               <a:pPr>
                 <a:defRPr/>
               </a:pPr>
-              <a:t>19/06/2017</a:t>
+              <a:t>03/07/2017</a:t>
             </a:fld>
             <a:endParaRPr lang="fr-FR"/>
           </a:p>
@@ -1057,7 +1057,7 @@
             </a:pPr>
             <a:fld id="{EDD99EA0-D204-4BF3-B2AB-EEA2F599905E}" type="datetime1">
               <a:rPr lang="fr-FR" smtClean="0"/>
-              <a:t>19/06/2017</a:t>
+              <a:t>03/07/2017</a:t>
             </a:fld>
             <a:endParaRPr lang="fr-FR" dirty="0"/>
           </a:p>
@@ -1356,7 +1356,7 @@
             </a:pPr>
             <a:fld id="{9DB476A0-5303-44E3-8C90-E1B1911666E2}" type="datetime1">
               <a:rPr lang="fr-FR" smtClean="0"/>
-              <a:t>19/06/2017</a:t>
+              <a:t>03/07/2017</a:t>
             </a:fld>
             <a:endParaRPr lang="fr-FR" dirty="0"/>
           </a:p>
@@ -1604,7 +1604,7 @@
             </a:pPr>
             <a:fld id="{9DB476A0-5303-44E3-8C90-E1B1911666E2}" type="datetime1">
               <a:rPr lang="fr-FR" smtClean="0"/>
-              <a:t>19/06/2017</a:t>
+              <a:t>03/07/2017</a:t>
             </a:fld>
             <a:endParaRPr lang="fr-FR" dirty="0"/>
           </a:p>
@@ -1813,7 +1813,7 @@
             </a:pPr>
             <a:fld id="{9DB476A0-5303-44E3-8C90-E1B1911666E2}" type="datetime1">
               <a:rPr lang="fr-FR" smtClean="0"/>
-              <a:t>19/06/2017</a:t>
+              <a:t>03/07/2017</a:t>
             </a:fld>
             <a:endParaRPr lang="fr-FR" dirty="0"/>
           </a:p>
@@ -2386,7 +2386,7 @@
               <a:pPr>
                 <a:defRPr/>
               </a:pPr>
-              <a:t>19/06/2017</a:t>
+              <a:t>03/07/2017</a:t>
             </a:fld>
             <a:endParaRPr lang="fr-FR" dirty="0"/>
           </a:p>
@@ -2966,14 +2966,14 @@
       </p:grpSpPr>
       <p:sp>
         <p:nvSpPr>
-          <p:cNvPr id="41" name="Rectangle 40"/>
+          <p:cNvPr id="68" name="Rectangle 67"/>
           <p:cNvSpPr/>
           <p:nvPr/>
         </p:nvSpPr>
         <p:spPr>
           <a:xfrm>
-            <a:off x="3342640" y="4447739"/>
-            <a:ext cx="914400" cy="216792"/>
+            <a:off x="5831840" y="2636417"/>
+            <a:ext cx="914400" cy="194971"/>
           </a:xfrm>
           <a:prstGeom prst="rect">
             <a:avLst/>
@@ -3014,14 +3014,14 @@
       </p:sp>
       <p:sp>
         <p:nvSpPr>
-          <p:cNvPr id="59" name="Rectangle 58"/>
+          <p:cNvPr id="73" name="Rectangle 72"/>
           <p:cNvSpPr/>
           <p:nvPr/>
         </p:nvSpPr>
         <p:spPr>
           <a:xfrm>
-            <a:off x="5831840" y="4447739"/>
-            <a:ext cx="914400" cy="216792"/>
+            <a:off x="5831840" y="3740366"/>
+            <a:ext cx="914400" cy="194971"/>
           </a:xfrm>
           <a:prstGeom prst="rect">
             <a:avLst/>
@@ -3062,23 +3062,18 @@
       </p:sp>
       <p:sp>
         <p:nvSpPr>
-          <p:cNvPr id="68" name="Rectangle 67"/>
+          <p:cNvPr id="15" name="Rectangle 14"/>
           <p:cNvSpPr/>
           <p:nvPr/>
         </p:nvSpPr>
         <p:spPr>
           <a:xfrm>
-            <a:off x="5831840" y="2613713"/>
-            <a:ext cx="914400" cy="194971"/>
+            <a:off x="3113313" y="2550160"/>
+            <a:ext cx="3757399" cy="2226728"/>
           </a:xfrm>
           <a:prstGeom prst="rect">
             <a:avLst/>
           </a:prstGeom>
-          <a:solidFill>
-            <a:schemeClr val="accent5">
-              <a:lumMod val="75000"/>
-            </a:schemeClr>
-          </a:solidFill>
           <a:ln>
             <a:noFill/>
           </a:ln>
@@ -3100,31 +3095,36 @@
           </a:fontRef>
         </p:style>
         <p:txBody>
-          <a:bodyPr rtlCol="0" anchor="ctr"/>
+          <a:bodyPr rtlCol="0" anchor="t"/>
           <a:lstStyle/>
           <a:p>
             <a:pPr algn="ctr"/>
-            <a:endParaRPr lang="fr-FR"/>
-          </a:p>
-        </p:txBody>
-      </p:sp>
-      <p:sp>
-        <p:nvSpPr>
-          <p:cNvPr id="71" name="Rectangle 70"/>
+            <a:r>
+              <a:rPr lang="en-AU" dirty="0" smtClean="0"/>
+              <a:t>Agent</a:t>
+            </a:r>
+            <a:endParaRPr lang="en-AU" dirty="0"/>
+          </a:p>
+        </p:txBody>
+      </p:sp>
+      <p:sp>
+        <p:nvSpPr>
+          <p:cNvPr id="43" name="Rectangle 42"/>
           <p:cNvSpPr/>
           <p:nvPr/>
         </p:nvSpPr>
         <p:spPr>
           <a:xfrm>
-            <a:off x="5831840" y="3157515"/>
-            <a:ext cx="914400" cy="194971"/>
+            <a:off x="4334140" y="3475686"/>
+            <a:ext cx="1395119" cy="1188845"/>
           </a:xfrm>
           <a:prstGeom prst="rect">
             <a:avLst/>
           </a:prstGeom>
           <a:solidFill>
-            <a:schemeClr val="accent5">
-              <a:lumMod val="75000"/>
+            <a:schemeClr val="accent1">
+              <a:lumMod val="20000"/>
+              <a:lumOff val="80000"/>
             </a:schemeClr>
           </a:solidFill>
           <a:ln>
@@ -3148,33 +3148,52 @@
           </a:fontRef>
         </p:style>
         <p:txBody>
-          <a:bodyPr rtlCol="0" anchor="ctr"/>
+          <a:bodyPr rot="0" spcFirstLastPara="0" vertOverflow="overflow" horzOverflow="overflow" vert="horz" wrap="square" lIns="91440" tIns="45720" rIns="91440" bIns="45720" numCol="1" spcCol="0" rtlCol="0" fromWordArt="0" anchor="t" anchorCtr="0" forceAA="0" compatLnSpc="1">
+            <a:prstTxWarp prst="textNoShape">
+              <a:avLst/>
+            </a:prstTxWarp>
+            <a:noAutofit/>
+          </a:bodyPr>
           <a:lstStyle/>
           <a:p>
             <a:pPr algn="ctr"/>
-            <a:endParaRPr lang="fr-FR"/>
-          </a:p>
-        </p:txBody>
-      </p:sp>
-      <p:sp>
-        <p:nvSpPr>
-          <p:cNvPr id="72" name="Rectangle 71"/>
+            <a:endParaRPr lang="en-AU" dirty="0"/>
+          </a:p>
+        </p:txBody>
+      </p:sp>
+      <p:sp>
+        <p:nvSpPr>
+          <p:cNvPr id="8" name="Title 7"/>
+          <p:cNvSpPr>
+            <a:spLocks noGrp="1"/>
+          </p:cNvSpPr>
+          <p:nvPr>
+            <p:ph type="title"/>
+          </p:nvPr>
+        </p:nvSpPr>
+        <p:spPr/>
+        <p:txBody>
+          <a:bodyPr/>
+          <a:lstStyle/>
+          <a:p>
+            <a:endParaRPr lang="en-AU" dirty="0"/>
+          </a:p>
+        </p:txBody>
+      </p:sp>
+      <p:sp>
+        <p:nvSpPr>
+          <p:cNvPr id="9" name="Rectangle 8"/>
           <p:cNvSpPr/>
           <p:nvPr/>
         </p:nvSpPr>
         <p:spPr>
           <a:xfrm>
-            <a:off x="5831840" y="3545395"/>
-            <a:ext cx="914400" cy="194971"/>
+            <a:off x="3912327" y="980028"/>
+            <a:ext cx="2143760" cy="904240"/>
           </a:xfrm>
           <a:prstGeom prst="rect">
             <a:avLst/>
           </a:prstGeom>
-          <a:solidFill>
-            <a:schemeClr val="accent5">
-              <a:lumMod val="75000"/>
-            </a:schemeClr>
-          </a:solidFill>
           <a:ln>
             <a:noFill/>
           </a:ln>
@@ -3196,164 +3215,6 @@
           </a:fontRef>
         </p:style>
         <p:txBody>
-          <a:bodyPr rtlCol="0" anchor="ctr"/>
-          <a:lstStyle/>
-          <a:p>
-            <a:pPr algn="ctr"/>
-            <a:endParaRPr lang="fr-FR"/>
-          </a:p>
-        </p:txBody>
-      </p:sp>
-      <p:sp>
-        <p:nvSpPr>
-          <p:cNvPr id="73" name="Rectangle 72"/>
-          <p:cNvSpPr/>
-          <p:nvPr/>
-        </p:nvSpPr>
-        <p:spPr>
-          <a:xfrm>
-            <a:off x="5831840" y="4066006"/>
-            <a:ext cx="914400" cy="194971"/>
-          </a:xfrm>
-          <a:prstGeom prst="rect">
-            <a:avLst/>
-          </a:prstGeom>
-          <a:solidFill>
-            <a:schemeClr val="accent5">
-              <a:lumMod val="75000"/>
-            </a:schemeClr>
-          </a:solidFill>
-          <a:ln>
-            <a:noFill/>
-          </a:ln>
-        </p:spPr>
-        <p:style>
-          <a:lnRef idx="2">
-            <a:schemeClr val="accent1">
-              <a:shade val="50000"/>
-            </a:schemeClr>
-          </a:lnRef>
-          <a:fillRef idx="1">
-            <a:schemeClr val="accent1"/>
-          </a:fillRef>
-          <a:effectRef idx="0">
-            <a:schemeClr val="accent1"/>
-          </a:effectRef>
-          <a:fontRef idx="minor">
-            <a:schemeClr val="lt1"/>
-          </a:fontRef>
-        </p:style>
-        <p:txBody>
-          <a:bodyPr rtlCol="0" anchor="ctr"/>
-          <a:lstStyle/>
-          <a:p>
-            <a:pPr algn="ctr"/>
-            <a:endParaRPr lang="fr-FR"/>
-          </a:p>
-        </p:txBody>
-      </p:sp>
-      <p:sp>
-        <p:nvSpPr>
-          <p:cNvPr id="105" name="Rectangle 104"/>
-          <p:cNvSpPr/>
-          <p:nvPr/>
-        </p:nvSpPr>
-        <p:spPr>
-          <a:xfrm>
-            <a:off x="4587240" y="3157515"/>
-            <a:ext cx="914400" cy="194971"/>
-          </a:xfrm>
-          <a:prstGeom prst="rect">
-            <a:avLst/>
-          </a:prstGeom>
-          <a:solidFill>
-            <a:schemeClr val="accent5">
-              <a:lumMod val="75000"/>
-            </a:schemeClr>
-          </a:solidFill>
-          <a:ln>
-            <a:noFill/>
-          </a:ln>
-        </p:spPr>
-        <p:style>
-          <a:lnRef idx="2">
-            <a:schemeClr val="accent1">
-              <a:shade val="50000"/>
-            </a:schemeClr>
-          </a:lnRef>
-          <a:fillRef idx="1">
-            <a:schemeClr val="accent1"/>
-          </a:fillRef>
-          <a:effectRef idx="0">
-            <a:schemeClr val="accent1"/>
-          </a:effectRef>
-          <a:fontRef idx="minor">
-            <a:schemeClr val="lt1"/>
-          </a:fontRef>
-        </p:style>
-        <p:txBody>
-          <a:bodyPr rtlCol="0" anchor="ctr"/>
-          <a:lstStyle/>
-          <a:p>
-            <a:pPr algn="ctr"/>
-            <a:endParaRPr lang="fr-FR"/>
-          </a:p>
-        </p:txBody>
-      </p:sp>
-      <p:sp>
-        <p:nvSpPr>
-          <p:cNvPr id="8" name="Title 7"/>
-          <p:cNvSpPr>
-            <a:spLocks noGrp="1"/>
-          </p:cNvSpPr>
-          <p:nvPr>
-            <p:ph type="title"/>
-          </p:nvPr>
-        </p:nvSpPr>
-        <p:spPr/>
-        <p:txBody>
-          <a:bodyPr/>
-          <a:lstStyle/>
-          <a:p>
-            <a:endParaRPr lang="en-AU" dirty="0"/>
-          </a:p>
-        </p:txBody>
-      </p:sp>
-      <p:sp>
-        <p:nvSpPr>
-          <p:cNvPr id="9" name="Rectangle 8"/>
-          <p:cNvSpPr/>
-          <p:nvPr/>
-        </p:nvSpPr>
-        <p:spPr>
-          <a:xfrm>
-            <a:off x="3972560" y="1070176"/>
-            <a:ext cx="2143760" cy="904240"/>
-          </a:xfrm>
-          <a:prstGeom prst="rect">
-            <a:avLst/>
-          </a:prstGeom>
-          <a:ln>
-            <a:noFill/>
-          </a:ln>
-        </p:spPr>
-        <p:style>
-          <a:lnRef idx="2">
-            <a:schemeClr val="accent1">
-              <a:shade val="50000"/>
-            </a:schemeClr>
-          </a:lnRef>
-          <a:fillRef idx="1">
-            <a:schemeClr val="accent1"/>
-          </a:fillRef>
-          <a:effectRef idx="0">
-            <a:schemeClr val="accent1"/>
-          </a:effectRef>
-          <a:fontRef idx="minor">
-            <a:schemeClr val="lt1"/>
-          </a:fontRef>
-        </p:style>
-        <p:txBody>
           <a:bodyPr rtlCol="0" anchor="t"/>
           <a:lstStyle/>
           <a:p>
@@ -3382,8 +3243,8 @@
         </p:nvSpPr>
         <p:spPr>
           <a:xfrm>
-            <a:off x="3972560" y="5628640"/>
-            <a:ext cx="2143760" cy="904240"/>
+            <a:off x="4136570" y="5628640"/>
+            <a:ext cx="1720717" cy="904240"/>
           </a:xfrm>
           <a:prstGeom prst="rect">
             <a:avLst/>
@@ -3434,7 +3295,7 @@
         </p:nvSpPr>
         <p:spPr>
           <a:xfrm>
-            <a:off x="537032" y="3180080"/>
+            <a:off x="515260" y="2468641"/>
             <a:ext cx="1381760" cy="904240"/>
           </a:xfrm>
           <a:prstGeom prst="rect">
@@ -3477,7 +3338,7 @@
         </p:nvSpPr>
         <p:spPr>
           <a:xfrm>
-            <a:off x="537032" y="5628640"/>
+            <a:off x="537032" y="4776888"/>
             <a:ext cx="1381760" cy="904240"/>
           </a:xfrm>
           <a:prstGeom prst="rect">
@@ -3507,53 +3368,6 @@
             <a:r>
               <a:rPr lang="en-AU" dirty="0" smtClean="0"/>
               <a:t>Storage</a:t>
-            </a:r>
-            <a:endParaRPr lang="en-AU" dirty="0"/>
-          </a:p>
-        </p:txBody>
-      </p:sp>
-      <p:sp>
-        <p:nvSpPr>
-          <p:cNvPr id="15" name="Rectangle 14"/>
-          <p:cNvSpPr/>
-          <p:nvPr/>
-        </p:nvSpPr>
-        <p:spPr>
-          <a:xfrm>
-            <a:off x="3342640" y="2550160"/>
-            <a:ext cx="3403600" cy="2164080"/>
-          </a:xfrm>
-          <a:prstGeom prst="rect">
-            <a:avLst/>
-          </a:prstGeom>
-          <a:ln>
-            <a:noFill/>
-          </a:ln>
-        </p:spPr>
-        <p:style>
-          <a:lnRef idx="2">
-            <a:schemeClr val="accent1">
-              <a:shade val="50000"/>
-            </a:schemeClr>
-          </a:lnRef>
-          <a:fillRef idx="1">
-            <a:schemeClr val="accent1"/>
-          </a:fillRef>
-          <a:effectRef idx="0">
-            <a:schemeClr val="accent1"/>
-          </a:effectRef>
-          <a:fontRef idx="minor">
-            <a:schemeClr val="lt1"/>
-          </a:fontRef>
-        </p:style>
-        <p:txBody>
-          <a:bodyPr rtlCol="0" anchor="t"/>
-          <a:lstStyle/>
-          <a:p>
-            <a:pPr algn="ctr"/>
-            <a:r>
-              <a:rPr lang="en-AU" dirty="0" smtClean="0"/>
-              <a:t>Agent</a:t>
             </a:r>
             <a:endParaRPr lang="en-AU" dirty="0"/>
           </a:p>
@@ -3570,8 +3384,8 @@
         </p:nvCxnSpPr>
         <p:spPr>
           <a:xfrm>
-            <a:off x="5044440" y="1974416"/>
-            <a:ext cx="0" cy="575744"/>
+            <a:off x="4984207" y="1884268"/>
+            <a:ext cx="7806" cy="665892"/>
           </a:xfrm>
           <a:prstGeom prst="straightConnector1">
             <a:avLst/>
@@ -3607,8 +3421,8 @@
         </p:nvSpPr>
         <p:spPr bwMode="auto">
           <a:xfrm>
-            <a:off x="5120640" y="2145018"/>
-            <a:ext cx="1200970" cy="261610"/>
+            <a:off x="4943634" y="1994464"/>
+            <a:ext cx="1116011" cy="430887"/>
           </a:xfrm>
           <a:prstGeom prst="rect">
             <a:avLst/>
@@ -3648,7 +3462,13 @@
           <a:p>
             <a:r>
               <a:rPr lang="en-AU" sz="1100" dirty="0" smtClean="0"/>
-              <a:t>Inter-agents API</a:t>
+              <a:t>Agent to Agent</a:t>
+            </a:r>
+          </a:p>
+          <a:p>
+            <a:r>
+              <a:rPr lang="en-AU" sz="1100" dirty="0" smtClean="0"/>
+              <a:t>Protocol</a:t>
             </a:r>
             <a:endParaRPr lang="en-AU" sz="1100" dirty="0" smtClean="0"/>
           </a:p>
@@ -3662,7 +3482,7 @@
         </p:nvSpPr>
         <p:spPr>
           <a:xfrm>
-            <a:off x="4412779" y="6078202"/>
+            <a:off x="4391007" y="6078202"/>
             <a:ext cx="1263323" cy="349702"/>
           </a:xfrm>
           <a:prstGeom prst="rect">
@@ -3714,8 +3534,8 @@
         </p:nvCxnSpPr>
         <p:spPr>
           <a:xfrm>
-            <a:off x="5044440" y="4714240"/>
-            <a:ext cx="0" cy="914400"/>
+            <a:off x="4992013" y="4776888"/>
+            <a:ext cx="4916" cy="851752"/>
           </a:xfrm>
           <a:prstGeom prst="straightConnector1">
             <a:avLst/>
@@ -3751,7 +3571,7 @@
         </p:nvSpPr>
         <p:spPr bwMode="auto">
           <a:xfrm>
-            <a:off x="5018797" y="5032997"/>
+            <a:off x="5611825" y="6166294"/>
             <a:ext cx="813043" cy="261610"/>
           </a:xfrm>
           <a:prstGeom prst="rect">
@@ -3794,7 +3614,6 @@
               <a:rPr lang="en-AU" sz="1100" dirty="0" smtClean="0"/>
               <a:t>Client API</a:t>
             </a:r>
-            <a:endParaRPr lang="en-AU" sz="1100" dirty="0" smtClean="0"/>
           </a:p>
         </p:txBody>
       </p:sp>
@@ -3859,14 +3678,14 @@
           <p:cNvPr id="28" name="Straight Arrow Connector 27"/>
           <p:cNvCxnSpPr>
             <a:stCxn id="13" idx="3"/>
-            <a:endCxn id="15" idx="1"/>
+            <a:endCxn id="49" idx="1"/>
           </p:cNvCxnSpPr>
           <p:nvPr/>
         </p:nvCxnSpPr>
         <p:spPr>
-          <a:xfrm>
-            <a:off x="1918792" y="3632200"/>
-            <a:ext cx="1423848" cy="0"/>
+          <a:xfrm flipV="1">
+            <a:off x="1897020" y="2909354"/>
+            <a:ext cx="1304821" cy="11407"/>
           </a:xfrm>
           <a:prstGeom prst="straightConnector1">
             <a:avLst/>
@@ -3894,16 +3713,199 @@
           </a:fontRef>
         </p:style>
       </p:cxnSp>
-      <p:sp>
-        <p:nvSpPr>
-          <p:cNvPr id="33" name="TextBox 32"/>
+      <p:cxnSp>
+        <p:nvCxnSpPr>
+          <p:cNvPr id="34" name="Straight Arrow Connector 33"/>
+          <p:cNvCxnSpPr>
+            <a:stCxn id="14" idx="3"/>
+            <a:endCxn id="51" idx="1"/>
+          </p:cNvCxnSpPr>
+          <p:nvPr/>
+        </p:nvCxnSpPr>
+        <p:spPr>
+          <a:xfrm flipV="1">
+            <a:off x="1918792" y="4393112"/>
+            <a:ext cx="1235342" cy="835896"/>
+          </a:xfrm>
+          <a:prstGeom prst="bentConnector3">
+            <a:avLst>
+              <a:gd name="adj1" fmla="val 50000"/>
+            </a:avLst>
+          </a:prstGeom>
+          <a:ln w="19050">
+            <a:solidFill>
+              <a:schemeClr val="tx1"/>
+            </a:solidFill>
+            <a:headEnd type="triangle" w="med" len="med"/>
+            <a:tailEnd type="triangle" w="med" len="med"/>
+          </a:ln>
+        </p:spPr>
+        <p:style>
+          <a:lnRef idx="1">
+            <a:schemeClr val="accent1"/>
+          </a:lnRef>
+          <a:fillRef idx="0">
+            <a:schemeClr val="accent1"/>
+          </a:fillRef>
+          <a:effectRef idx="0">
+            <a:schemeClr val="accent1"/>
+          </a:effectRef>
+          <a:fontRef idx="minor">
+            <a:schemeClr val="tx1"/>
+          </a:fontRef>
+        </p:style>
+      </p:cxnSp>
+      <p:sp>
+        <p:nvSpPr>
+          <p:cNvPr id="47" name="Rectangle 46"/>
+          <p:cNvSpPr/>
+          <p:nvPr/>
+        </p:nvSpPr>
+        <p:spPr>
+          <a:xfrm>
+            <a:off x="8115759" y="2406329"/>
+            <a:ext cx="1381760" cy="609738"/>
+          </a:xfrm>
+          <a:prstGeom prst="rect">
+            <a:avLst/>
+          </a:prstGeom>
+          <a:ln w="9525"/>
+        </p:spPr>
+        <p:style>
+          <a:lnRef idx="2">
+            <a:schemeClr val="accent1"/>
+          </a:lnRef>
+          <a:fillRef idx="1">
+            <a:schemeClr val="lt1"/>
+          </a:fillRef>
+          <a:effectRef idx="0">
+            <a:schemeClr val="accent1"/>
+          </a:effectRef>
+          <a:fontRef idx="minor">
+            <a:schemeClr val="dk1"/>
+          </a:fontRef>
+        </p:style>
+        <p:txBody>
+          <a:bodyPr lIns="0" tIns="46800" rIns="0" rtlCol="0" anchor="t"/>
+          <a:lstStyle/>
+          <a:p>
+            <a:pPr algn="ctr"/>
+            <a:r>
+              <a:rPr lang="en-AU" sz="1600" dirty="0" smtClean="0"/>
+              <a:t>Administration GUI</a:t>
+            </a:r>
+            <a:endParaRPr lang="en-AU" sz="1600" dirty="0"/>
+          </a:p>
+        </p:txBody>
+      </p:sp>
+      <p:sp>
+        <p:nvSpPr>
+          <p:cNvPr id="48" name="Rectangle 47"/>
+          <p:cNvSpPr/>
+          <p:nvPr/>
+        </p:nvSpPr>
+        <p:spPr>
+          <a:xfrm>
+            <a:off x="8115759" y="5628640"/>
+            <a:ext cx="1381760" cy="904240"/>
+          </a:xfrm>
+          <a:prstGeom prst="rect">
+            <a:avLst/>
+          </a:prstGeom>
+          <a:ln w="9525"/>
+        </p:spPr>
+        <p:style>
+          <a:lnRef idx="2">
+            <a:schemeClr val="accent1"/>
+          </a:lnRef>
+          <a:fillRef idx="1">
+            <a:schemeClr val="lt1"/>
+          </a:fillRef>
+          <a:effectRef idx="0">
+            <a:schemeClr val="accent1"/>
+          </a:effectRef>
+          <a:fontRef idx="minor">
+            <a:schemeClr val="dk1"/>
+          </a:fontRef>
+        </p:style>
+        <p:txBody>
+          <a:bodyPr rtlCol="0" anchor="t"/>
+          <a:lstStyle/>
+          <a:p>
+            <a:pPr algn="ctr"/>
+            <a:r>
+              <a:rPr lang="en-AU" dirty="0" smtClean="0"/>
+              <a:t>Logs</a:t>
+            </a:r>
+          </a:p>
+          <a:p>
+            <a:pPr algn="ctr"/>
+            <a:r>
+              <a:rPr lang="en-AU" dirty="0" smtClean="0"/>
+              <a:t>Central</a:t>
+            </a:r>
+            <a:endParaRPr lang="en-AU" dirty="0" smtClean="0"/>
+          </a:p>
+          <a:p>
+            <a:pPr algn="ctr"/>
+            <a:r>
+              <a:rPr lang="en-AU" dirty="0" smtClean="0"/>
+              <a:t>Sink</a:t>
+            </a:r>
+            <a:endParaRPr lang="en-AU" dirty="0"/>
+          </a:p>
+        </p:txBody>
+      </p:sp>
+      <p:cxnSp>
+        <p:nvCxnSpPr>
+          <p:cNvPr id="54" name="Straight Arrow Connector 53"/>
+          <p:cNvCxnSpPr>
+            <a:stCxn id="68" idx="3"/>
+            <a:endCxn id="47" idx="1"/>
+          </p:cNvCxnSpPr>
+          <p:nvPr/>
+        </p:nvCxnSpPr>
+        <p:spPr>
+          <a:xfrm flipV="1">
+            <a:off x="6746240" y="2711198"/>
+            <a:ext cx="1369519" cy="22705"/>
+          </a:xfrm>
+          <a:prstGeom prst="straightConnector1">
+            <a:avLst/>
+          </a:prstGeom>
+          <a:ln w="19050">
+            <a:solidFill>
+              <a:schemeClr val="tx1"/>
+            </a:solidFill>
+            <a:headEnd type="triangle" w="med" len="med"/>
+            <a:tailEnd type="triangle" w="med" len="med"/>
+          </a:ln>
+        </p:spPr>
+        <p:style>
+          <a:lnRef idx="1">
+            <a:schemeClr val="accent1"/>
+          </a:lnRef>
+          <a:fillRef idx="0">
+            <a:schemeClr val="accent1"/>
+          </a:fillRef>
+          <a:effectRef idx="0">
+            <a:schemeClr val="accent1"/>
+          </a:effectRef>
+          <a:fontRef idx="minor">
+            <a:schemeClr val="tx1"/>
+          </a:fontRef>
+        </p:style>
+      </p:cxnSp>
+      <p:sp>
+        <p:nvSpPr>
+          <p:cNvPr id="55" name="TextBox 54"/>
           <p:cNvSpPr txBox="1"/>
           <p:nvPr/>
         </p:nvSpPr>
         <p:spPr bwMode="auto">
           <a:xfrm>
-            <a:off x="2114430" y="3346206"/>
-            <a:ext cx="1125629" cy="261610"/>
+            <a:off x="6858341" y="2456256"/>
+            <a:ext cx="1141659" cy="261610"/>
           </a:xfrm>
           <a:prstGeom prst="rect">
             <a:avLst/>
@@ -3939,35 +3941,42 @@
             </a:prstTxWarp>
             <a:spAutoFit/>
           </a:bodyPr>
-          <a:lstStyle/>
-          <a:p>
-            <a:pPr algn="ctr"/>
-            <a:r>
-              <a:rPr lang="en-AU" sz="1100" dirty="0" smtClean="0"/>
-              <a:t>Repository API</a:t>
-            </a:r>
-            <a:endParaRPr lang="en-AU" sz="1100" dirty="0" smtClean="0"/>
+          <a:lstStyle>
+            <a:defPPr>
+              <a:defRPr lang="fr-FR"/>
+            </a:defPPr>
+            <a:lvl1pPr algn="ctr">
+              <a:defRPr sz="1100"/>
+            </a:lvl1pPr>
+          </a:lstStyle>
+          <a:p>
+            <a:r>
+              <a:rPr lang="en-AU" dirty="0" smtClean="0"/>
+              <a:t>Admin </a:t>
+            </a:r>
+            <a:r>
+              <a:rPr lang="en-AU" dirty="0" smtClean="0"/>
+              <a:t>Protocol</a:t>
+            </a:r>
+            <a:endParaRPr lang="en-AU" dirty="0"/>
           </a:p>
         </p:txBody>
       </p:sp>
       <p:cxnSp>
         <p:nvCxnSpPr>
-          <p:cNvPr id="34" name="Straight Arrow Connector 33"/>
+          <p:cNvPr id="60" name="Straight Arrow Connector 33"/>
           <p:cNvCxnSpPr>
-            <a:stCxn id="14" idx="3"/>
-            <a:endCxn id="41" idx="1"/>
+            <a:stCxn id="48" idx="1"/>
           </p:cNvCxnSpPr>
           <p:nvPr/>
         </p:nvCxnSpPr>
         <p:spPr>
-          <a:xfrm flipV="1">
-            <a:off x="1918792" y="4556135"/>
-            <a:ext cx="1423848" cy="1524625"/>
-          </a:xfrm>
-          <a:prstGeom prst="bentConnector3">
-            <a:avLst>
-              <a:gd name="adj1" fmla="val 79113"/>
-            </a:avLst>
+          <a:xfrm rot="10800000">
+            <a:off x="6289041" y="4729848"/>
+            <a:ext cx="1826719" cy="1350913"/>
+          </a:xfrm>
+          <a:prstGeom prst="bentConnector2">
+            <a:avLst/>
           </a:prstGeom>
           <a:ln w="19050">
             <a:solidFill>
@@ -3994,14 +4003,14 @@
       </p:cxnSp>
       <p:sp>
         <p:nvSpPr>
-          <p:cNvPr id="37" name="TextBox 36"/>
+          <p:cNvPr id="66" name="TextBox 65"/>
           <p:cNvSpPr txBox="1"/>
           <p:nvPr/>
         </p:nvSpPr>
         <p:spPr bwMode="auto">
           <a:xfrm>
-            <a:off x="2076467" y="5770559"/>
-            <a:ext cx="944490" cy="261610"/>
+            <a:off x="6273711" y="5275582"/>
+            <a:ext cx="1377301" cy="430887"/>
           </a:xfrm>
           <a:prstGeom prst="rect">
             <a:avLst/>
@@ -4041,112 +4050,30 @@
           <a:p>
             <a:pPr algn="ctr"/>
             <a:r>
-              <a:rPr lang="en-AU" sz="1100" smtClean="0"/>
-              <a:t>Storage API</a:t>
+              <a:rPr lang="en-AU" sz="1100" dirty="0" smtClean="0"/>
+              <a:t>Application to Logs</a:t>
+            </a:r>
+          </a:p>
+          <a:p>
+            <a:pPr algn="ctr"/>
+            <a:r>
+              <a:rPr lang="en-AU" sz="1100" dirty="0" smtClean="0"/>
+              <a:t>Protocol</a:t>
             </a:r>
             <a:endParaRPr lang="en-AU" sz="1100" dirty="0" smtClean="0"/>
-          </a:p>
-        </p:txBody>
-      </p:sp>
-      <p:sp>
-        <p:nvSpPr>
-          <p:cNvPr id="47" name="Rectangle 46"/>
-          <p:cNvSpPr/>
-          <p:nvPr/>
-        </p:nvSpPr>
-        <p:spPr>
-          <a:xfrm>
-            <a:off x="8115759" y="2406329"/>
-            <a:ext cx="1381760" cy="609738"/>
-          </a:xfrm>
-          <a:prstGeom prst="rect">
-            <a:avLst/>
-          </a:prstGeom>
-          <a:ln w="9525"/>
-        </p:spPr>
-        <p:style>
-          <a:lnRef idx="2">
-            <a:schemeClr val="accent1"/>
-          </a:lnRef>
-          <a:fillRef idx="1">
-            <a:schemeClr val="lt1"/>
-          </a:fillRef>
-          <a:effectRef idx="0">
-            <a:schemeClr val="accent1"/>
-          </a:effectRef>
-          <a:fontRef idx="minor">
-            <a:schemeClr val="dk1"/>
-          </a:fontRef>
-        </p:style>
-        <p:txBody>
-          <a:bodyPr lIns="0" tIns="46800" rIns="0" rtlCol="0" anchor="t"/>
-          <a:lstStyle/>
-          <a:p>
-            <a:pPr algn="ctr"/>
-            <a:r>
-              <a:rPr lang="en-AU" sz="1600" dirty="0" smtClean="0"/>
-              <a:t>Administration GUI</a:t>
-            </a:r>
-            <a:endParaRPr lang="en-AU" sz="1600" dirty="0"/>
-          </a:p>
-        </p:txBody>
-      </p:sp>
-      <p:sp>
-        <p:nvSpPr>
-          <p:cNvPr id="48" name="Rectangle 47"/>
-          <p:cNvSpPr/>
-          <p:nvPr/>
-        </p:nvSpPr>
-        <p:spPr>
-          <a:xfrm>
-            <a:off x="8115759" y="5628640"/>
-            <a:ext cx="1381760" cy="904240"/>
-          </a:xfrm>
-          <a:prstGeom prst="rect">
-            <a:avLst/>
-          </a:prstGeom>
-          <a:ln w="9525"/>
-        </p:spPr>
-        <p:style>
-          <a:lnRef idx="2">
-            <a:schemeClr val="accent1"/>
-          </a:lnRef>
-          <a:fillRef idx="1">
-            <a:schemeClr val="lt1"/>
-          </a:fillRef>
-          <a:effectRef idx="0">
-            <a:schemeClr val="accent1"/>
-          </a:effectRef>
-          <a:fontRef idx="minor">
-            <a:schemeClr val="dk1"/>
-          </a:fontRef>
-        </p:style>
-        <p:txBody>
-          <a:bodyPr rtlCol="0" anchor="t"/>
-          <a:lstStyle/>
-          <a:p>
-            <a:pPr algn="ctr"/>
-            <a:r>
-              <a:rPr lang="en-AU" dirty="0" smtClean="0"/>
-              <a:t>Logs</a:t>
-            </a:r>
-            <a:endParaRPr lang="en-AU" dirty="0"/>
           </a:p>
         </p:txBody>
       </p:sp>
       <p:cxnSp>
         <p:nvCxnSpPr>
-          <p:cNvPr id="54" name="Straight Arrow Connector 53"/>
-          <p:cNvCxnSpPr>
-            <a:stCxn id="68" idx="3"/>
-            <a:endCxn id="47" idx="1"/>
-          </p:cNvCxnSpPr>
+          <p:cNvPr id="82" name="Straight Arrow Connector 81"/>
+          <p:cNvCxnSpPr/>
           <p:nvPr/>
         </p:nvCxnSpPr>
         <p:spPr>
-          <a:xfrm flipV="1">
-            <a:off x="6746240" y="2711198"/>
-            <a:ext cx="1369519" cy="1"/>
+          <a:xfrm>
+            <a:off x="6722020" y="3330523"/>
+            <a:ext cx="1369519" cy="273747"/>
           </a:xfrm>
           <a:prstGeom prst="straightConnector1">
             <a:avLst/>
@@ -4176,14 +4103,236 @@
       </p:cxnSp>
       <p:sp>
         <p:nvSpPr>
-          <p:cNvPr id="55" name="TextBox 54"/>
+          <p:cNvPr id="91" name="Rectangle 90"/>
+          <p:cNvSpPr/>
+          <p:nvPr/>
+        </p:nvSpPr>
+        <p:spPr>
+          <a:xfrm>
+            <a:off x="8112101" y="3157515"/>
+            <a:ext cx="914400" cy="194971"/>
+          </a:xfrm>
+          <a:prstGeom prst="rect">
+            <a:avLst/>
+          </a:prstGeom>
+          <a:solidFill>
+            <a:schemeClr val="accent5">
+              <a:lumMod val="75000"/>
+            </a:schemeClr>
+          </a:solidFill>
+          <a:ln>
+            <a:noFill/>
+          </a:ln>
+        </p:spPr>
+        <p:style>
+          <a:lnRef idx="2">
+            <a:schemeClr val="accent1">
+              <a:shade val="50000"/>
+            </a:schemeClr>
+          </a:lnRef>
+          <a:fillRef idx="1">
+            <a:schemeClr val="accent1"/>
+          </a:fillRef>
+          <a:effectRef idx="0">
+            <a:schemeClr val="accent1"/>
+          </a:effectRef>
+          <a:fontRef idx="minor">
+            <a:schemeClr val="lt1"/>
+          </a:fontRef>
+        </p:style>
+        <p:txBody>
+          <a:bodyPr rtlCol="0" anchor="ctr"/>
+          <a:lstStyle/>
+          <a:p>
+            <a:pPr algn="ctr"/>
+            <a:endParaRPr lang="fr-FR"/>
+          </a:p>
+        </p:txBody>
+      </p:sp>
+      <p:sp>
+        <p:nvSpPr>
+          <p:cNvPr id="92" name="Rectangle 91"/>
+          <p:cNvSpPr/>
+          <p:nvPr/>
+        </p:nvSpPr>
+        <p:spPr>
+          <a:xfrm>
+            <a:off x="8112101" y="3545395"/>
+            <a:ext cx="914400" cy="194971"/>
+          </a:xfrm>
+          <a:prstGeom prst="rect">
+            <a:avLst/>
+          </a:prstGeom>
+          <a:solidFill>
+            <a:schemeClr val="accent5">
+              <a:lumMod val="75000"/>
+            </a:schemeClr>
+          </a:solidFill>
+          <a:ln>
+            <a:noFill/>
+          </a:ln>
+        </p:spPr>
+        <p:style>
+          <a:lnRef idx="2">
+            <a:schemeClr val="accent1">
+              <a:shade val="50000"/>
+            </a:schemeClr>
+          </a:lnRef>
+          <a:fillRef idx="1">
+            <a:schemeClr val="accent1"/>
+          </a:fillRef>
+          <a:effectRef idx="0">
+            <a:schemeClr val="accent1"/>
+          </a:effectRef>
+          <a:fontRef idx="minor">
+            <a:schemeClr val="lt1"/>
+          </a:fontRef>
+        </p:style>
+        <p:txBody>
+          <a:bodyPr rtlCol="0" anchor="ctr"/>
+          <a:lstStyle/>
+          <a:p>
+            <a:pPr algn="ctr"/>
+            <a:endParaRPr lang="fr-FR"/>
+          </a:p>
+        </p:txBody>
+      </p:sp>
+      <p:sp>
+        <p:nvSpPr>
+          <p:cNvPr id="81" name="Rectangle 80"/>
+          <p:cNvSpPr/>
+          <p:nvPr/>
+        </p:nvSpPr>
+        <p:spPr>
+          <a:xfrm>
+            <a:off x="8115759" y="3137117"/>
+            <a:ext cx="1381760" cy="609738"/>
+          </a:xfrm>
+          <a:prstGeom prst="rect">
+            <a:avLst/>
+          </a:prstGeom>
+          <a:ln w="9525"/>
+        </p:spPr>
+        <p:style>
+          <a:lnRef idx="2">
+            <a:schemeClr val="accent1"/>
+          </a:lnRef>
+          <a:fillRef idx="1">
+            <a:schemeClr val="lt1"/>
+          </a:fillRef>
+          <a:effectRef idx="0">
+            <a:schemeClr val="accent1"/>
+          </a:effectRef>
+          <a:fontRef idx="minor">
+            <a:schemeClr val="dk1"/>
+          </a:fontRef>
+        </p:style>
+        <p:txBody>
+          <a:bodyPr lIns="0" tIns="46800" rIns="0" rtlCol="0" anchor="t"/>
+          <a:lstStyle/>
+          <a:p>
+            <a:pPr algn="ctr"/>
+            <a:r>
+              <a:rPr lang="en-AU" sz="1600" dirty="0" smtClean="0"/>
+              <a:t>Scheduler</a:t>
+            </a:r>
+            <a:endParaRPr lang="en-AU" sz="1600" dirty="0"/>
+          </a:p>
+        </p:txBody>
+      </p:sp>
+      <p:sp>
+        <p:nvSpPr>
+          <p:cNvPr id="99" name="Rectangle 98"/>
+          <p:cNvSpPr/>
+          <p:nvPr/>
+        </p:nvSpPr>
+        <p:spPr>
+          <a:xfrm>
+            <a:off x="8115759" y="3858622"/>
+            <a:ext cx="1381760" cy="609738"/>
+          </a:xfrm>
+          <a:prstGeom prst="rect">
+            <a:avLst/>
+          </a:prstGeom>
+          <a:ln w="9525"/>
+        </p:spPr>
+        <p:style>
+          <a:lnRef idx="2">
+            <a:schemeClr val="accent1"/>
+          </a:lnRef>
+          <a:fillRef idx="1">
+            <a:schemeClr val="lt1"/>
+          </a:fillRef>
+          <a:effectRef idx="0">
+            <a:schemeClr val="accent1"/>
+          </a:effectRef>
+          <a:fontRef idx="minor">
+            <a:schemeClr val="dk1"/>
+          </a:fontRef>
+        </p:style>
+        <p:txBody>
+          <a:bodyPr lIns="0" tIns="46800" rIns="0" rtlCol="0" anchor="t"/>
+          <a:lstStyle/>
+          <a:p>
+            <a:pPr algn="ctr"/>
+            <a:r>
+              <a:rPr lang="en-AU" sz="1600" dirty="0" smtClean="0"/>
+              <a:t>Monitoring</a:t>
+            </a:r>
+            <a:endParaRPr lang="en-AU" sz="1600" dirty="0"/>
+          </a:p>
+        </p:txBody>
+      </p:sp>
+      <p:cxnSp>
+        <p:nvCxnSpPr>
+          <p:cNvPr id="100" name="Straight Arrow Connector 99"/>
+          <p:cNvCxnSpPr>
+            <a:stCxn id="73" idx="3"/>
+            <a:endCxn id="99" idx="1"/>
+          </p:cNvCxnSpPr>
+          <p:nvPr/>
+        </p:nvCxnSpPr>
+        <p:spPr>
+          <a:xfrm>
+            <a:off x="6746240" y="3837852"/>
+            <a:ext cx="1369519" cy="325639"/>
+          </a:xfrm>
+          <a:prstGeom prst="straightConnector1">
+            <a:avLst/>
+          </a:prstGeom>
+          <a:ln w="19050">
+            <a:solidFill>
+              <a:schemeClr val="tx1"/>
+            </a:solidFill>
+            <a:headEnd type="triangle" w="med" len="med"/>
+            <a:tailEnd type="triangle" w="med" len="med"/>
+          </a:ln>
+        </p:spPr>
+        <p:style>
+          <a:lnRef idx="1">
+            <a:schemeClr val="accent1"/>
+          </a:lnRef>
+          <a:fillRef idx="0">
+            <a:schemeClr val="accent1"/>
+          </a:fillRef>
+          <a:effectRef idx="0">
+            <a:schemeClr val="accent1"/>
+          </a:effectRef>
+          <a:fontRef idx="minor">
+            <a:schemeClr val="tx1"/>
+          </a:fontRef>
+        </p:style>
+      </p:cxnSp>
+      <p:sp>
+        <p:nvSpPr>
+          <p:cNvPr id="103" name="TextBox 102"/>
           <p:cNvSpPr txBox="1"/>
           <p:nvPr/>
         </p:nvSpPr>
         <p:spPr bwMode="auto">
           <a:xfrm>
-            <a:off x="7003412" y="2456256"/>
-            <a:ext cx="851515" cy="261610"/>
+            <a:off x="6988186" y="3823108"/>
+            <a:ext cx="881972" cy="430887"/>
           </a:xfrm>
           <a:prstGeom prst="rect">
             <a:avLst/>
@@ -4229,65 +4378,29 @@
           </a:lstStyle>
           <a:p>
             <a:r>
-              <a:rPr lang="en-AU" smtClean="0"/>
-              <a:t>Admin API</a:t>
-            </a:r>
-            <a:endParaRPr lang="en-AU" dirty="0"/>
-          </a:p>
-        </p:txBody>
-      </p:sp>
-      <p:cxnSp>
-        <p:nvCxnSpPr>
-          <p:cNvPr id="60" name="Straight Arrow Connector 33"/>
-          <p:cNvCxnSpPr>
-            <a:stCxn id="48" idx="1"/>
-            <a:endCxn id="59" idx="3"/>
-          </p:cNvCxnSpPr>
-          <p:nvPr/>
-        </p:nvCxnSpPr>
-        <p:spPr>
-          <a:xfrm rot="10800000">
-            <a:off x="6746241" y="4556136"/>
-            <a:ext cx="1369519" cy="1524625"/>
-          </a:xfrm>
-          <a:prstGeom prst="bentConnector3">
-            <a:avLst>
-              <a:gd name="adj1" fmla="val 82049"/>
-            </a:avLst>
-          </a:prstGeom>
-          <a:ln w="19050">
-            <a:solidFill>
-              <a:schemeClr val="tx1"/>
-            </a:solidFill>
-            <a:headEnd type="triangle" w="med" len="med"/>
-            <a:tailEnd type="triangle" w="med" len="med"/>
-          </a:ln>
-        </p:spPr>
-        <p:style>
-          <a:lnRef idx="1">
-            <a:schemeClr val="accent1"/>
-          </a:lnRef>
-          <a:fillRef idx="0">
-            <a:schemeClr val="accent1"/>
-          </a:fillRef>
-          <a:effectRef idx="0">
-            <a:schemeClr val="accent1"/>
-          </a:effectRef>
-          <a:fontRef idx="minor">
-            <a:schemeClr val="tx1"/>
-          </a:fontRef>
-        </p:style>
-      </p:cxnSp>
-      <p:sp>
-        <p:nvSpPr>
-          <p:cNvPr id="66" name="TextBox 65"/>
+              <a:rPr lang="en-AU" dirty="0" smtClean="0"/>
+              <a:t>Monitoring </a:t>
+            </a:r>
+            <a:endParaRPr lang="en-AU" dirty="0" smtClean="0"/>
+          </a:p>
+          <a:p>
+            <a:r>
+              <a:rPr lang="en-AU" dirty="0" smtClean="0"/>
+              <a:t>Protocol</a:t>
+            </a:r>
+          </a:p>
+        </p:txBody>
+      </p:sp>
+      <p:sp>
+        <p:nvSpPr>
+          <p:cNvPr id="111" name="TextBox 110"/>
           <p:cNvSpPr txBox="1"/>
           <p:nvPr/>
         </p:nvSpPr>
         <p:spPr bwMode="auto">
           <a:xfrm>
-            <a:off x="7120895" y="5628640"/>
-            <a:ext cx="688009" cy="430887"/>
+            <a:off x="4502952" y="3494216"/>
+            <a:ext cx="1071127" cy="261610"/>
           </a:xfrm>
           <a:prstGeom prst="rect">
             <a:avLst/>
@@ -4327,110 +4440,39 @@
           <a:p>
             <a:pPr algn="ctr"/>
             <a:r>
-              <a:rPr lang="en-AU" sz="1100" dirty="0" smtClean="0"/>
-              <a:t>Logging</a:t>
-            </a:r>
-          </a:p>
-          <a:p>
-            <a:pPr algn="ctr"/>
-            <a:r>
-              <a:rPr lang="en-AU" sz="1100" dirty="0" smtClean="0"/>
-              <a:t>API</a:t>
-            </a:r>
-            <a:endParaRPr lang="en-AU" sz="1100" dirty="0" smtClean="0"/>
-          </a:p>
-        </p:txBody>
-      </p:sp>
-      <p:cxnSp>
-        <p:nvCxnSpPr>
-          <p:cNvPr id="82" name="Straight Arrow Connector 81"/>
-          <p:cNvCxnSpPr>
-            <a:stCxn id="71" idx="3"/>
-            <a:endCxn id="91" idx="1"/>
-          </p:cNvCxnSpPr>
-          <p:nvPr/>
-        </p:nvCxnSpPr>
-        <p:spPr>
-          <a:xfrm>
-            <a:off x="6746240" y="3255001"/>
-            <a:ext cx="1365861" cy="0"/>
-          </a:xfrm>
-          <a:prstGeom prst="straightConnector1">
-            <a:avLst/>
-          </a:prstGeom>
-          <a:ln w="19050">
-            <a:solidFill>
-              <a:schemeClr val="tx1"/>
-            </a:solidFill>
-            <a:headEnd type="triangle" w="med" len="med"/>
-            <a:tailEnd type="triangle" w="med" len="med"/>
-          </a:ln>
-        </p:spPr>
-        <p:style>
-          <a:lnRef idx="1">
-            <a:schemeClr val="accent1"/>
-          </a:lnRef>
-          <a:fillRef idx="0">
-            <a:schemeClr val="accent1"/>
-          </a:fillRef>
-          <a:effectRef idx="0">
-            <a:schemeClr val="accent1"/>
-          </a:effectRef>
-          <a:fontRef idx="minor">
-            <a:schemeClr val="tx1"/>
-          </a:fontRef>
-        </p:style>
-      </p:cxnSp>
-      <p:cxnSp>
-        <p:nvCxnSpPr>
-          <p:cNvPr id="85" name="Straight Arrow Connector 84"/>
-          <p:cNvCxnSpPr>
-            <a:stCxn id="72" idx="3"/>
-            <a:endCxn id="92" idx="1"/>
-          </p:cNvCxnSpPr>
-          <p:nvPr/>
-        </p:nvCxnSpPr>
-        <p:spPr>
-          <a:xfrm>
-            <a:off x="6746240" y="3642881"/>
-            <a:ext cx="1365861" cy="0"/>
-          </a:xfrm>
-          <a:prstGeom prst="straightConnector1">
-            <a:avLst/>
-          </a:prstGeom>
-          <a:ln w="19050">
-            <a:solidFill>
-              <a:schemeClr val="tx1"/>
-            </a:solidFill>
-            <a:headEnd type="triangle" w="med" len="med"/>
-            <a:tailEnd type="triangle" w="med" len="med"/>
-          </a:ln>
-        </p:spPr>
-        <p:style>
-          <a:lnRef idx="1">
-            <a:schemeClr val="accent1"/>
-          </a:lnRef>
-          <a:fillRef idx="0">
-            <a:schemeClr val="accent1"/>
-          </a:fillRef>
-          <a:effectRef idx="0">
-            <a:schemeClr val="accent1"/>
-          </a:effectRef>
-          <a:fontRef idx="minor">
-            <a:schemeClr val="tx1"/>
-          </a:fontRef>
-        </p:style>
-      </p:cxnSp>
-      <p:sp>
-        <p:nvSpPr>
-          <p:cNvPr id="88" name="TextBox 87"/>
+              <a:rPr lang="en-AU" sz="1100" dirty="0" smtClean="0">
+                <a:solidFill>
+                  <a:srgbClr val="FFFFFF"/>
+                </a:solidFill>
+              </a:rPr>
+              <a:t>Extension </a:t>
+            </a:r>
+            <a:r>
+              <a:rPr lang="en-AU" sz="1100" dirty="0" smtClean="0">
+                <a:solidFill>
+                  <a:srgbClr val="FFFFFF"/>
+                </a:solidFill>
+              </a:rPr>
+              <a:t>SPI</a:t>
+            </a:r>
+            <a:endParaRPr lang="en-AU" sz="1100" dirty="0" smtClean="0">
+              <a:solidFill>
+                <a:srgbClr val="FFFFFF"/>
+              </a:solidFill>
+            </a:endParaRPr>
+          </a:p>
+        </p:txBody>
+      </p:sp>
+      <p:sp>
+        <p:nvSpPr>
+          <p:cNvPr id="44" name="TextBox 43"/>
           <p:cNvSpPr txBox="1"/>
           <p:nvPr/>
         </p:nvSpPr>
         <p:spPr bwMode="auto">
           <a:xfrm>
-            <a:off x="6853531" y="2981613"/>
-            <a:ext cx="1151277" cy="261610"/>
+            <a:off x="3489959" y="5011893"/>
+            <a:ext cx="1439818" cy="430887"/>
           </a:xfrm>
           <a:prstGeom prst="rect">
             <a:avLst/>
@@ -4468,10 +4510,15 @@
           </a:bodyPr>
           <a:lstStyle/>
           <a:p>
-            <a:pPr algn="ctr"/>
-            <a:r>
-              <a:rPr lang="en-AU" sz="1100" smtClean="0"/>
-              <a:t>Scheduling API</a:t>
+            <a:r>
+              <a:rPr lang="en-AU" sz="1100" dirty="0" smtClean="0"/>
+              <a:t>Application to Agent</a:t>
+            </a:r>
+          </a:p>
+          <a:p>
+            <a:r>
+              <a:rPr lang="en-AU" sz="1100" dirty="0" smtClean="0"/>
+              <a:t>Protocol</a:t>
             </a:r>
             <a:endParaRPr lang="en-AU" sz="1100" dirty="0" smtClean="0"/>
           </a:p>
@@ -4479,21 +4526,22 @@
       </p:sp>
       <p:sp>
         <p:nvSpPr>
-          <p:cNvPr id="91" name="Rectangle 90"/>
+          <p:cNvPr id="49" name="Rectangle 48"/>
           <p:cNvSpPr/>
           <p:nvPr/>
         </p:nvSpPr>
         <p:spPr>
           <a:xfrm>
-            <a:off x="8112101" y="3157515"/>
-            <a:ext cx="914400" cy="194971"/>
+            <a:off x="3201841" y="2624579"/>
+            <a:ext cx="712087" cy="569549"/>
           </a:xfrm>
           <a:prstGeom prst="rect">
             <a:avLst/>
           </a:prstGeom>
           <a:solidFill>
-            <a:schemeClr val="accent5">
-              <a:lumMod val="75000"/>
+            <a:schemeClr val="accent1">
+              <a:lumMod val="20000"/>
+              <a:lumOff val="80000"/>
             </a:schemeClr>
           </a:solidFill>
           <a:ln>
@@ -4517,31 +4565,49 @@
           </a:fontRef>
         </p:style>
         <p:txBody>
-          <a:bodyPr rtlCol="0" anchor="ctr"/>
+          <a:bodyPr rot="0" spcFirstLastPara="0" vertOverflow="overflow" horzOverflow="overflow" vert="horz" wrap="square" lIns="91440" tIns="45720" rIns="91440" bIns="45720" numCol="1" spcCol="0" rtlCol="0" fromWordArt="0" anchor="t" anchorCtr="0" forceAA="0" compatLnSpc="1">
+            <a:prstTxWarp prst="textNoShape">
+              <a:avLst/>
+            </a:prstTxWarp>
+            <a:noAutofit/>
+          </a:bodyPr>
           <a:lstStyle/>
           <a:p>
             <a:pPr algn="ctr"/>
-            <a:endParaRPr lang="fr-FR"/>
-          </a:p>
-        </p:txBody>
-      </p:sp>
-      <p:sp>
-        <p:nvSpPr>
-          <p:cNvPr id="92" name="Rectangle 91"/>
+            <a:r>
+              <a:rPr lang="en-AU" sz="1600" smtClean="0">
+                <a:solidFill>
+                  <a:schemeClr val="tx1"/>
+                </a:solidFill>
+              </a:rPr>
+              <a:t>Repo SPI</a:t>
+            </a:r>
+            <a:endParaRPr lang="en-AU" sz="1600" dirty="0">
+              <a:solidFill>
+                <a:schemeClr val="tx1"/>
+              </a:solidFill>
+            </a:endParaRPr>
+          </a:p>
+        </p:txBody>
+      </p:sp>
+      <p:sp>
+        <p:nvSpPr>
+          <p:cNvPr id="51" name="Rectangle 50"/>
           <p:cNvSpPr/>
           <p:nvPr/>
         </p:nvSpPr>
         <p:spPr>
           <a:xfrm>
-            <a:off x="8112101" y="3545395"/>
-            <a:ext cx="914400" cy="194971"/>
+            <a:off x="3154134" y="4108337"/>
+            <a:ext cx="1108725" cy="569549"/>
           </a:xfrm>
           <a:prstGeom prst="rect">
             <a:avLst/>
           </a:prstGeom>
           <a:solidFill>
-            <a:schemeClr val="accent5">
-              <a:lumMod val="75000"/>
+            <a:schemeClr val="accent1">
+              <a:lumMod val="20000"/>
+              <a:lumOff val="80000"/>
             </a:schemeClr>
           </a:solidFill>
           <a:ln>
@@ -4565,24 +4631,306 @@
           </a:fontRef>
         </p:style>
         <p:txBody>
-          <a:bodyPr rtlCol="0" anchor="ctr"/>
+          <a:bodyPr rot="0" spcFirstLastPara="0" vertOverflow="overflow" horzOverflow="overflow" vert="horz" wrap="square" lIns="91440" tIns="45720" rIns="91440" bIns="45720" numCol="1" spcCol="0" rtlCol="0" fromWordArt="0" anchor="t" anchorCtr="0" forceAA="0" compatLnSpc="1">
+            <a:prstTxWarp prst="textNoShape">
+              <a:avLst/>
+            </a:prstTxWarp>
+            <a:noAutofit/>
+          </a:bodyPr>
           <a:lstStyle/>
           <a:p>
             <a:pPr algn="ctr"/>
-            <a:endParaRPr lang="fr-FR"/>
-          </a:p>
-        </p:txBody>
-      </p:sp>
-      <p:sp>
-        <p:nvSpPr>
-          <p:cNvPr id="97" name="TextBox 96"/>
+            <a:r>
+              <a:rPr lang="en-AU" sz="1600" dirty="0" smtClean="0">
+                <a:solidFill>
+                  <a:schemeClr val="tx1"/>
+                </a:solidFill>
+              </a:rPr>
+              <a:t>Message Store SPI</a:t>
+            </a:r>
+            <a:endParaRPr lang="en-AU" sz="1600" dirty="0">
+              <a:solidFill>
+                <a:schemeClr val="tx1"/>
+              </a:solidFill>
+            </a:endParaRPr>
+          </a:p>
+        </p:txBody>
+      </p:sp>
+      <p:sp>
+        <p:nvSpPr>
+          <p:cNvPr id="61" name="Rectangle 60"/>
+          <p:cNvSpPr/>
+          <p:nvPr/>
+        </p:nvSpPr>
+        <p:spPr>
+          <a:xfrm>
+            <a:off x="5831839" y="2923684"/>
+            <a:ext cx="914401" cy="489109"/>
+          </a:xfrm>
+          <a:prstGeom prst="rect">
+            <a:avLst/>
+          </a:prstGeom>
+          <a:solidFill>
+            <a:schemeClr val="accent1">
+              <a:lumMod val="20000"/>
+              <a:lumOff val="80000"/>
+            </a:schemeClr>
+          </a:solidFill>
+          <a:ln>
+            <a:noFill/>
+          </a:ln>
+        </p:spPr>
+        <p:style>
+          <a:lnRef idx="2">
+            <a:schemeClr val="accent1">
+              <a:shade val="50000"/>
+            </a:schemeClr>
+          </a:lnRef>
+          <a:fillRef idx="1">
+            <a:schemeClr val="accent1"/>
+          </a:fillRef>
+          <a:effectRef idx="0">
+            <a:schemeClr val="accent1"/>
+          </a:effectRef>
+          <a:fontRef idx="minor">
+            <a:schemeClr val="lt1"/>
+          </a:fontRef>
+        </p:style>
+        <p:txBody>
+          <a:bodyPr rot="0" spcFirstLastPara="0" vertOverflow="overflow" horzOverflow="overflow" vert="horz" wrap="square" lIns="91440" tIns="45720" rIns="91440" bIns="45720" numCol="1" spcCol="0" rtlCol="0" fromWordArt="0" anchor="t" anchorCtr="0" forceAA="0" compatLnSpc="1">
+            <a:prstTxWarp prst="textNoShape">
+              <a:avLst/>
+            </a:prstTxWarp>
+            <a:noAutofit/>
+          </a:bodyPr>
+          <a:lstStyle/>
+          <a:p>
+            <a:pPr algn="ctr"/>
+            <a:r>
+              <a:rPr lang="en-AU" sz="1200" dirty="0" smtClean="0">
+                <a:solidFill>
+                  <a:schemeClr val="tx1"/>
+                </a:solidFill>
+              </a:rPr>
+              <a:t>Scheduler SPI</a:t>
+            </a:r>
+            <a:endParaRPr lang="en-AU" sz="1200" dirty="0">
+              <a:solidFill>
+                <a:schemeClr val="tx1"/>
+              </a:solidFill>
+            </a:endParaRPr>
+          </a:p>
+        </p:txBody>
+      </p:sp>
+      <p:sp>
+        <p:nvSpPr>
+          <p:cNvPr id="74" name="Rectangle 73"/>
+          <p:cNvSpPr/>
+          <p:nvPr/>
+        </p:nvSpPr>
+        <p:spPr>
+          <a:xfrm>
+            <a:off x="5857288" y="4137062"/>
+            <a:ext cx="863504" cy="512101"/>
+          </a:xfrm>
+          <a:prstGeom prst="rect">
+            <a:avLst/>
+          </a:prstGeom>
+          <a:solidFill>
+            <a:schemeClr val="accent1">
+              <a:lumMod val="20000"/>
+              <a:lumOff val="80000"/>
+            </a:schemeClr>
+          </a:solidFill>
+          <a:ln>
+            <a:noFill/>
+          </a:ln>
+        </p:spPr>
+        <p:style>
+          <a:lnRef idx="2">
+            <a:schemeClr val="accent1">
+              <a:shade val="50000"/>
+            </a:schemeClr>
+          </a:lnRef>
+          <a:fillRef idx="1">
+            <a:schemeClr val="accent1"/>
+          </a:fillRef>
+          <a:effectRef idx="0">
+            <a:schemeClr val="accent1"/>
+          </a:effectRef>
+          <a:fontRef idx="minor">
+            <a:schemeClr val="lt1"/>
+          </a:fontRef>
+        </p:style>
+        <p:txBody>
+          <a:bodyPr rot="0" spcFirstLastPara="0" vertOverflow="overflow" horzOverflow="overflow" vert="horz" wrap="square" lIns="91440" tIns="45720" rIns="91440" bIns="45720" numCol="1" spcCol="0" rtlCol="0" fromWordArt="0" anchor="t" anchorCtr="0" forceAA="0" compatLnSpc="1">
+            <a:prstTxWarp prst="textNoShape">
+              <a:avLst/>
+            </a:prstTxWarp>
+            <a:noAutofit/>
+          </a:bodyPr>
+          <a:lstStyle/>
+          <a:p>
+            <a:pPr algn="ctr"/>
+            <a:r>
+              <a:rPr lang="en-AU" sz="1400" dirty="0" smtClean="0">
+                <a:solidFill>
+                  <a:schemeClr val="tx1"/>
+                </a:solidFill>
+              </a:rPr>
+              <a:t>Logs</a:t>
+            </a:r>
+          </a:p>
+          <a:p>
+            <a:pPr algn="ctr"/>
+            <a:r>
+              <a:rPr lang="en-AU" sz="1400" dirty="0" smtClean="0">
+                <a:solidFill>
+                  <a:schemeClr val="tx1"/>
+                </a:solidFill>
+              </a:rPr>
+              <a:t>SPI</a:t>
+            </a:r>
+            <a:endParaRPr lang="en-AU" sz="1400" dirty="0">
+              <a:solidFill>
+                <a:schemeClr val="tx1"/>
+              </a:solidFill>
+            </a:endParaRPr>
+          </a:p>
+        </p:txBody>
+      </p:sp>
+      <p:sp>
+        <p:nvSpPr>
+          <p:cNvPr id="76" name="Rectangle 75"/>
+          <p:cNvSpPr/>
+          <p:nvPr/>
+        </p:nvSpPr>
+        <p:spPr>
+          <a:xfrm>
+            <a:off x="8124195" y="4633978"/>
+            <a:ext cx="1381760" cy="609738"/>
+          </a:xfrm>
+          <a:prstGeom prst="rect">
+            <a:avLst/>
+          </a:prstGeom>
+          <a:ln w="9525"/>
+        </p:spPr>
+        <p:style>
+          <a:lnRef idx="2">
+            <a:schemeClr val="accent1"/>
+          </a:lnRef>
+          <a:fillRef idx="1">
+            <a:schemeClr val="lt1"/>
+          </a:fillRef>
+          <a:effectRef idx="0">
+            <a:schemeClr val="accent1"/>
+          </a:effectRef>
+          <a:fontRef idx="minor">
+            <a:schemeClr val="dk1"/>
+          </a:fontRef>
+        </p:style>
+        <p:txBody>
+          <a:bodyPr lIns="0" tIns="46800" rIns="0" rtlCol="0" anchor="t"/>
+          <a:lstStyle/>
+          <a:p>
+            <a:pPr algn="ctr"/>
+            <a:r>
+              <a:rPr lang="en-AU" sz="1600" dirty="0" smtClean="0"/>
+              <a:t>Local logs</a:t>
+            </a:r>
+            <a:endParaRPr lang="en-AU" sz="1600" dirty="0"/>
+          </a:p>
+        </p:txBody>
+      </p:sp>
+      <p:cxnSp>
+        <p:nvCxnSpPr>
+          <p:cNvPr id="77" name="Straight Arrow Connector 76"/>
+          <p:cNvCxnSpPr>
+            <a:stCxn id="74" idx="3"/>
+            <a:endCxn id="76" idx="1"/>
+          </p:cNvCxnSpPr>
+          <p:nvPr/>
+        </p:nvCxnSpPr>
+        <p:spPr>
+          <a:xfrm>
+            <a:off x="6720792" y="4393113"/>
+            <a:ext cx="1403403" cy="545734"/>
+          </a:xfrm>
+          <a:prstGeom prst="straightConnector1">
+            <a:avLst/>
+          </a:prstGeom>
+          <a:ln w="19050">
+            <a:solidFill>
+              <a:schemeClr val="tx1"/>
+            </a:solidFill>
+            <a:headEnd type="triangle" w="med" len="med"/>
+            <a:tailEnd type="triangle" w="med" len="med"/>
+          </a:ln>
+        </p:spPr>
+        <p:style>
+          <a:lnRef idx="1">
+            <a:schemeClr val="accent1"/>
+          </a:lnRef>
+          <a:fillRef idx="0">
+            <a:schemeClr val="accent1"/>
+          </a:fillRef>
+          <a:effectRef idx="0">
+            <a:schemeClr val="accent1"/>
+          </a:effectRef>
+          <a:fontRef idx="minor">
+            <a:schemeClr val="tx1"/>
+          </a:fontRef>
+        </p:style>
+      </p:cxnSp>
+      <p:cxnSp>
+        <p:nvCxnSpPr>
+          <p:cNvPr id="86" name="Straight Arrow Connector 85"/>
+          <p:cNvCxnSpPr>
+            <a:endCxn id="91" idx="1"/>
+          </p:cNvCxnSpPr>
+          <p:nvPr/>
+        </p:nvCxnSpPr>
+        <p:spPr>
+          <a:xfrm>
+            <a:off x="6852568" y="3058657"/>
+            <a:ext cx="1259533" cy="196344"/>
+          </a:xfrm>
+          <a:prstGeom prst="straightConnector1">
+            <a:avLst/>
+          </a:prstGeom>
+          <a:ln w="19050">
+            <a:solidFill>
+              <a:schemeClr val="tx1"/>
+            </a:solidFill>
+            <a:headEnd type="triangle" w="med" len="med"/>
+            <a:tailEnd type="triangle" w="med" len="med"/>
+          </a:ln>
+        </p:spPr>
+        <p:style>
+          <a:lnRef idx="1">
+            <a:schemeClr val="accent1"/>
+          </a:lnRef>
+          <a:fillRef idx="0">
+            <a:schemeClr val="accent1"/>
+          </a:fillRef>
+          <a:effectRef idx="0">
+            <a:schemeClr val="accent1"/>
+          </a:effectRef>
+          <a:fontRef idx="minor">
+            <a:schemeClr val="tx1"/>
+          </a:fontRef>
+        </p:style>
+      </p:cxnSp>
+      <p:sp>
+        <p:nvSpPr>
+          <p:cNvPr id="89" name="TextBox 88"/>
           <p:cNvSpPr txBox="1"/>
           <p:nvPr/>
         </p:nvSpPr>
         <p:spPr bwMode="auto">
-          <a:xfrm>
-            <a:off x="6799830" y="3237925"/>
-            <a:ext cx="1258679" cy="430887"/>
+          <a:xfrm rot="434993">
+            <a:off x="7070596" y="2925818"/>
+            <a:ext cx="821058" cy="430887"/>
           </a:xfrm>
           <a:prstGeom prst="rect">
             <a:avLst/>
@@ -4618,195 +4966,6 @@
             </a:prstTxWarp>
             <a:spAutoFit/>
           </a:bodyPr>
-          <a:lstStyle/>
-          <a:p>
-            <a:pPr algn="ctr"/>
-            <a:r>
-              <a:rPr lang="en-AU" sz="1100" dirty="0" smtClean="0"/>
-              <a:t>Event notification</a:t>
-            </a:r>
-          </a:p>
-          <a:p>
-            <a:pPr algn="ctr"/>
-            <a:r>
-              <a:rPr lang="en-AU" sz="1100" dirty="0" smtClean="0"/>
-              <a:t>API</a:t>
-            </a:r>
-            <a:endParaRPr lang="en-AU" sz="1100" dirty="0" smtClean="0"/>
-          </a:p>
-        </p:txBody>
-      </p:sp>
-      <p:sp>
-        <p:nvSpPr>
-          <p:cNvPr id="81" name="Rectangle 80"/>
-          <p:cNvSpPr/>
-          <p:nvPr/>
-        </p:nvSpPr>
-        <p:spPr>
-          <a:xfrm>
-            <a:off x="8115759" y="3137117"/>
-            <a:ext cx="1381760" cy="609738"/>
-          </a:xfrm>
-          <a:prstGeom prst="rect">
-            <a:avLst/>
-          </a:prstGeom>
-          <a:ln w="9525"/>
-        </p:spPr>
-        <p:style>
-          <a:lnRef idx="2">
-            <a:schemeClr val="accent1"/>
-          </a:lnRef>
-          <a:fillRef idx="1">
-            <a:schemeClr val="lt1"/>
-          </a:fillRef>
-          <a:effectRef idx="0">
-            <a:schemeClr val="accent1"/>
-          </a:effectRef>
-          <a:fontRef idx="minor">
-            <a:schemeClr val="dk1"/>
-          </a:fontRef>
-        </p:style>
-        <p:txBody>
-          <a:bodyPr lIns="0" tIns="46800" rIns="0" rtlCol="0" anchor="t"/>
-          <a:lstStyle/>
-          <a:p>
-            <a:pPr algn="ctr"/>
-            <a:r>
-              <a:rPr lang="en-AU" sz="1600" dirty="0" smtClean="0"/>
-              <a:t>Scheduler</a:t>
-            </a:r>
-            <a:endParaRPr lang="en-AU" sz="1600" dirty="0"/>
-          </a:p>
-        </p:txBody>
-      </p:sp>
-      <p:sp>
-        <p:nvSpPr>
-          <p:cNvPr id="99" name="Rectangle 98"/>
-          <p:cNvSpPr/>
-          <p:nvPr/>
-        </p:nvSpPr>
-        <p:spPr>
-          <a:xfrm>
-            <a:off x="8115759" y="3858622"/>
-            <a:ext cx="1381760" cy="609738"/>
-          </a:xfrm>
-          <a:prstGeom prst="rect">
-            <a:avLst/>
-          </a:prstGeom>
-          <a:ln w="9525"/>
-        </p:spPr>
-        <p:style>
-          <a:lnRef idx="2">
-            <a:schemeClr val="accent1"/>
-          </a:lnRef>
-          <a:fillRef idx="1">
-            <a:schemeClr val="lt1"/>
-          </a:fillRef>
-          <a:effectRef idx="0">
-            <a:schemeClr val="accent1"/>
-          </a:effectRef>
-          <a:fontRef idx="minor">
-            <a:schemeClr val="dk1"/>
-          </a:fontRef>
-        </p:style>
-        <p:txBody>
-          <a:bodyPr lIns="0" tIns="46800" rIns="0" rtlCol="0" anchor="t"/>
-          <a:lstStyle/>
-          <a:p>
-            <a:pPr algn="ctr"/>
-            <a:r>
-              <a:rPr lang="en-AU" sz="1600" dirty="0" smtClean="0"/>
-              <a:t>Monitoring</a:t>
-            </a:r>
-            <a:endParaRPr lang="en-AU" sz="1600" dirty="0"/>
-          </a:p>
-        </p:txBody>
-      </p:sp>
-      <p:cxnSp>
-        <p:nvCxnSpPr>
-          <p:cNvPr id="100" name="Straight Arrow Connector 99"/>
-          <p:cNvCxnSpPr>
-            <a:stCxn id="73" idx="3"/>
-            <a:endCxn id="99" idx="1"/>
-          </p:cNvCxnSpPr>
-          <p:nvPr/>
-        </p:nvCxnSpPr>
-        <p:spPr>
-          <a:xfrm flipV="1">
-            <a:off x="6746240" y="4163491"/>
-            <a:ext cx="1369519" cy="1"/>
-          </a:xfrm>
-          <a:prstGeom prst="straightConnector1">
-            <a:avLst/>
-          </a:prstGeom>
-          <a:ln w="19050">
-            <a:solidFill>
-              <a:schemeClr val="tx1"/>
-            </a:solidFill>
-            <a:headEnd type="triangle" w="med" len="med"/>
-            <a:tailEnd type="triangle" w="med" len="med"/>
-          </a:ln>
-        </p:spPr>
-        <p:style>
-          <a:lnRef idx="1">
-            <a:schemeClr val="accent1"/>
-          </a:lnRef>
-          <a:fillRef idx="0">
-            <a:schemeClr val="accent1"/>
-          </a:fillRef>
-          <a:effectRef idx="0">
-            <a:schemeClr val="accent1"/>
-          </a:effectRef>
-          <a:fontRef idx="minor">
-            <a:schemeClr val="tx1"/>
-          </a:fontRef>
-        </p:style>
-      </p:cxnSp>
-      <p:sp>
-        <p:nvSpPr>
-          <p:cNvPr id="103" name="TextBox 102"/>
-          <p:cNvSpPr txBox="1"/>
-          <p:nvPr/>
-        </p:nvSpPr>
-        <p:spPr bwMode="auto">
-          <a:xfrm>
-            <a:off x="6874371" y="3907746"/>
-            <a:ext cx="1109599" cy="261610"/>
-          </a:xfrm>
-          <a:prstGeom prst="rect">
-            <a:avLst/>
-          </a:prstGeom>
-          <a:noFill/>
-          <a:ln>
-            <a:noFill/>
-          </a:ln>
-          <a:extLst>
-            <a:ext uri="{909E8E84-426E-40DD-AFC4-6F175D3DCCD1}">
-              <a14:hiddenFill xmlns:a14="http://schemas.microsoft.com/office/drawing/2010/main">
-                <a:solidFill>
-                  <a:srgbClr val="FFFFFF"/>
-                </a:solidFill>
-              </a14:hiddenFill>
-            </a:ext>
-            <a:ext uri="{91240B29-F687-4F45-9708-019B960494DF}">
-              <a14:hiddenLine xmlns:a14="http://schemas.microsoft.com/office/drawing/2010/main" w="9525">
-                <a:solidFill>
-                  <a:srgbClr val="000000"/>
-                </a:solidFill>
-                <a:miter lim="800000"/>
-                <a:headEnd/>
-                <a:tailEnd/>
-              </a14:hiddenLine>
-            </a:ext>
-          </a:extLst>
-        </p:spPr>
-        <p:txBody>
-          <a:bodyPr vert="horz" wrap="none" lIns="91440" tIns="45720" rIns="91440" bIns="45720" numCol="1" rtlCol="0" anchor="ctr" anchorCtr="0" compatLnSpc="1">
-            <a:prstTxWarp prst="textNoShape">
-              <a:avLst/>
-            </a:prstTxWarp>
-            <a:spAutoFit/>
-          </a:bodyPr>
           <a:lstStyle>
             <a:defPPr>
               <a:defRPr lang="fr-FR"/>
@@ -4818,7 +4977,63 @@
           <a:p>
             <a:r>
               <a:rPr lang="en-AU" smtClean="0"/>
-              <a:t>Monitoring API</a:t>
+              <a:t>Scheduler</a:t>
+            </a:r>
+          </a:p>
+          <a:p>
+            <a:r>
+              <a:rPr lang="en-AU" dirty="0" smtClean="0"/>
+              <a:t>Protocol</a:t>
+            </a:r>
+            <a:endParaRPr lang="en-AU" dirty="0"/>
+          </a:p>
+        </p:txBody>
+      </p:sp>
+      <p:sp>
+        <p:nvSpPr>
+          <p:cNvPr id="93" name="Rectangle 92"/>
+          <p:cNvSpPr/>
+          <p:nvPr/>
+        </p:nvSpPr>
+        <p:spPr>
+          <a:xfrm>
+            <a:off x="537032" y="3564120"/>
+            <a:ext cx="1381760" cy="904240"/>
+          </a:xfrm>
+          <a:prstGeom prst="rect">
+            <a:avLst/>
+          </a:prstGeom>
+          <a:ln w="9525"/>
+        </p:spPr>
+        <p:style>
+          <a:lnRef idx="2">
+            <a:schemeClr val="accent1"/>
+          </a:lnRef>
+          <a:fillRef idx="1">
+            <a:schemeClr val="lt1"/>
+          </a:fillRef>
+          <a:effectRef idx="0">
+            <a:schemeClr val="accent1"/>
+          </a:effectRef>
+          <a:fontRef idx="minor">
+            <a:schemeClr val="dk1"/>
+          </a:fontRef>
+        </p:style>
+        <p:txBody>
+          <a:bodyPr rtlCol="0" anchor="t"/>
+          <a:lstStyle/>
+          <a:p>
+            <a:pPr algn="ctr"/>
+            <a:r>
+              <a:rPr lang="en-AU" dirty="0" smtClean="0"/>
+              <a:t>Notification</a:t>
+            </a:r>
+          </a:p>
+          <a:p>
+            <a:pPr algn="ctr"/>
+            <a:r>
+              <a:rPr lang="en-AU" dirty="0" smtClean="0"/>
+              <a:t>engines</a:t>
             </a:r>
             <a:endParaRPr lang="en-AU" dirty="0"/>
           </a:p>
@@ -4826,17 +5041,14 @@
       </p:sp>
       <p:cxnSp>
         <p:nvCxnSpPr>
-          <p:cNvPr id="107" name="Straight Arrow Connector 106"/>
-          <p:cNvCxnSpPr>
-            <a:stCxn id="105" idx="2"/>
-            <a:endCxn id="26" idx="0"/>
-          </p:cNvCxnSpPr>
+          <p:cNvPr id="94" name="Straight Arrow Connector 93"/>
+          <p:cNvCxnSpPr/>
           <p:nvPr/>
         </p:nvCxnSpPr>
         <p:spPr>
-          <a:xfrm>
-            <a:off x="5044440" y="3352486"/>
-            <a:ext cx="1" cy="508316"/>
+          <a:xfrm flipV="1">
+            <a:off x="1920073" y="3615464"/>
+            <a:ext cx="1304821" cy="11407"/>
           </a:xfrm>
           <a:prstGeom prst="straightConnector1">
             <a:avLst/>
@@ -4845,7 +5057,6 @@
             <a:solidFill>
               <a:schemeClr val="tx1"/>
             </a:solidFill>
-            <a:prstDash val="sysDash"/>
             <a:headEnd type="triangle" w="med" len="med"/>
             <a:tailEnd type="triangle" w="med" len="med"/>
           </a:ln>
@@ -4867,63 +5078,81 @@
       </p:cxnSp>
       <p:sp>
         <p:nvSpPr>
-          <p:cNvPr id="111" name="TextBox 110"/>
-          <p:cNvSpPr txBox="1"/>
+          <p:cNvPr id="95" name="Rectangle 94"/>
+          <p:cNvSpPr/>
           <p:nvPr/>
         </p:nvSpPr>
-        <p:spPr bwMode="auto">
-          <a:xfrm>
-            <a:off x="3940110" y="3453368"/>
-            <a:ext cx="1071127" cy="261610"/>
+        <p:spPr>
+          <a:xfrm>
+            <a:off x="3224894" y="3330689"/>
+            <a:ext cx="987687" cy="569549"/>
           </a:xfrm>
           <a:prstGeom prst="rect">
             <a:avLst/>
           </a:prstGeom>
-          <a:noFill/>
+          <a:solidFill>
+            <a:schemeClr val="accent1">
+              <a:lumMod val="20000"/>
+              <a:lumOff val="80000"/>
+            </a:schemeClr>
+          </a:solidFill>
           <a:ln>
             <a:noFill/>
           </a:ln>
-          <a:extLst>
-            <a:ext uri="{909E8E84-426E-40DD-AFC4-6F175D3DCCD1}">
-              <a14:hiddenFill xmlns:a14="http://schemas.microsoft.com/office/drawing/2010/main">
-                <a:solidFill>
-                  <a:srgbClr val="FFFFFF"/>
-                </a:solidFill>
-              </a14:hiddenFill>
-            </a:ext>
-            <a:ext uri="{91240B29-F687-4F45-9708-019B960494DF}">
-              <a14:hiddenLine xmlns:a14="http://schemas.microsoft.com/office/drawing/2010/main" w="9525">
-                <a:solidFill>
-                  <a:srgbClr val="000000"/>
-                </a:solidFill>
-                <a:miter lim="800000"/>
-                <a:headEnd/>
-                <a:tailEnd/>
-              </a14:hiddenLine>
-            </a:ext>
-          </a:extLst>
-        </p:spPr>
-        <p:txBody>
-          <a:bodyPr vert="horz" wrap="none" lIns="91440" tIns="45720" rIns="91440" bIns="45720" numCol="1" rtlCol="0" anchor="ctr" anchorCtr="0" compatLnSpc="1">
+        </p:spPr>
+        <p:style>
+          <a:lnRef idx="2">
+            <a:schemeClr val="accent1">
+              <a:shade val="50000"/>
+            </a:schemeClr>
+          </a:lnRef>
+          <a:fillRef idx="1">
+            <a:schemeClr val="accent1"/>
+          </a:fillRef>
+          <a:effectRef idx="0">
+            <a:schemeClr val="accent1"/>
+          </a:effectRef>
+          <a:fontRef idx="minor">
+            <a:schemeClr val="lt1"/>
+          </a:fontRef>
+        </p:style>
+        <p:txBody>
+          <a:bodyPr rot="0" spcFirstLastPara="0" vertOverflow="overflow" horzOverflow="overflow" vert="horz" wrap="square" lIns="91440" tIns="45720" rIns="91440" bIns="45720" numCol="1" spcCol="0" rtlCol="0" fromWordArt="0" anchor="t" anchorCtr="0" forceAA="0" compatLnSpc="1">
             <a:prstTxWarp prst="textNoShape">
               <a:avLst/>
             </a:prstTxWarp>
-            <a:spAutoFit/>
+            <a:noAutofit/>
           </a:bodyPr>
           <a:lstStyle/>
           <a:p>
             <a:pPr algn="ctr"/>
             <a:r>
-              <a:rPr lang="en-AU" sz="1100" smtClean="0">
+              <a:rPr lang="en-AU" sz="1600" dirty="0" err="1" smtClean="0">
                 <a:solidFill>
-                  <a:srgbClr val="FFFFFF"/>
+                  <a:schemeClr val="tx1"/>
                 </a:solidFill>
               </a:rPr>
-              <a:t>Extension API</a:t>
-            </a:r>
-            <a:endParaRPr lang="en-AU" sz="1100" dirty="0" smtClean="0">
+              <a:t>Notif</a:t>
+            </a:r>
+            <a:endParaRPr lang="en-AU" sz="1600" dirty="0" smtClean="0">
               <a:solidFill>
-                <a:srgbClr val="FFFFFF"/>
+                <a:schemeClr val="tx1"/>
+              </a:solidFill>
+            </a:endParaRPr>
+          </a:p>
+          <a:p>
+            <a:pPr algn="ctr"/>
+            <a:r>
+              <a:rPr lang="en-AU" sz="1600" dirty="0" smtClean="0">
+                <a:solidFill>
+                  <a:schemeClr val="tx1"/>
+                </a:solidFill>
+              </a:rPr>
+              <a:t>SPI</a:t>
+            </a:r>
+            <a:endParaRPr lang="en-AU" sz="1600" dirty="0">
+              <a:solidFill>
+                <a:schemeClr val="tx1"/>
               </a:solidFill>
             </a:endParaRPr>
           </a:p>
@@ -4939,11 +5168,11 @@
   <p:clrMapOvr>
     <a:masterClrMapping/>
   </p:clrMapOvr>
-  <mc:AlternateContent xmlns:mc="http://schemas.openxmlformats.org/markup-compatibility/2006">
-    <mc:Choice xmlns:p14="http://schemas.microsoft.com/office/powerpoint/2010/main" Requires="p14">
+  <mc:AlternateContent xmlns:mc="http://schemas.openxmlformats.org/markup-compatibility/2006" xmlns:p14="http://schemas.microsoft.com/office/powerpoint/2010/main">
+    <mc:Choice Requires="p14">
       <p:transition spd="slow" p14:dur="2000"/>
     </mc:Choice>
-    <mc:Fallback>
+    <mc:Fallback xmlns="">
       <p:transition spd="slow"/>
     </mc:Fallback>
   </mc:AlternateContent>
